--- a/figures/impl-dataflow-out.pptx
+++ b/figures/impl-dataflow-out.pptx
@@ -197,7 +197,7 @@
           <a:p>
             <a:fld id="{67496F2B-DAC4-AB41-9515-27354798C359}" type="datetimeFigureOut">
               <a:rPr lang="en-US" smtClean="0"/>
-              <a:t>6/17/18</a:t>
+              <a:t>7/31/18</a:t>
             </a:fld>
             <a:endParaRPr lang="en-US"/>
           </a:p>
@@ -695,7 +695,7 @@
           <a:p>
             <a:fld id="{F4720285-A523-AF44-9147-4ABB7CAB77FE}" type="datetimeFigureOut">
               <a:rPr lang="en-US" smtClean="0"/>
-              <a:t>6/17/18</a:t>
+              <a:t>7/31/18</a:t>
             </a:fld>
             <a:endParaRPr lang="en-US"/>
           </a:p>
@@ -893,7 +893,7 @@
           <a:p>
             <a:fld id="{F4720285-A523-AF44-9147-4ABB7CAB77FE}" type="datetimeFigureOut">
               <a:rPr lang="en-US" smtClean="0"/>
-              <a:t>6/17/18</a:t>
+              <a:t>7/31/18</a:t>
             </a:fld>
             <a:endParaRPr lang="en-US"/>
           </a:p>
@@ -1101,7 +1101,7 @@
           <a:p>
             <a:fld id="{F4720285-A523-AF44-9147-4ABB7CAB77FE}" type="datetimeFigureOut">
               <a:rPr lang="en-US" smtClean="0"/>
-              <a:t>6/17/18</a:t>
+              <a:t>7/31/18</a:t>
             </a:fld>
             <a:endParaRPr lang="en-US"/>
           </a:p>
@@ -1299,7 +1299,7 @@
           <a:p>
             <a:fld id="{F4720285-A523-AF44-9147-4ABB7CAB77FE}" type="datetimeFigureOut">
               <a:rPr lang="en-US" smtClean="0"/>
-              <a:t>6/17/18</a:t>
+              <a:t>7/31/18</a:t>
             </a:fld>
             <a:endParaRPr lang="en-US"/>
           </a:p>
@@ -1574,7 +1574,7 @@
           <a:p>
             <a:fld id="{F4720285-A523-AF44-9147-4ABB7CAB77FE}" type="datetimeFigureOut">
               <a:rPr lang="en-US" smtClean="0"/>
-              <a:t>6/17/18</a:t>
+              <a:t>7/31/18</a:t>
             </a:fld>
             <a:endParaRPr lang="en-US"/>
           </a:p>
@@ -1839,7 +1839,7 @@
           <a:p>
             <a:fld id="{F4720285-A523-AF44-9147-4ABB7CAB77FE}" type="datetimeFigureOut">
               <a:rPr lang="en-US" smtClean="0"/>
-              <a:t>6/17/18</a:t>
+              <a:t>7/31/18</a:t>
             </a:fld>
             <a:endParaRPr lang="en-US"/>
           </a:p>
@@ -2251,7 +2251,7 @@
           <a:p>
             <a:fld id="{F4720285-A523-AF44-9147-4ABB7CAB77FE}" type="datetimeFigureOut">
               <a:rPr lang="en-US" smtClean="0"/>
-              <a:t>6/17/18</a:t>
+              <a:t>7/31/18</a:t>
             </a:fld>
             <a:endParaRPr lang="en-US"/>
           </a:p>
@@ -2392,7 +2392,7 @@
           <a:p>
             <a:fld id="{F4720285-A523-AF44-9147-4ABB7CAB77FE}" type="datetimeFigureOut">
               <a:rPr lang="en-US" smtClean="0"/>
-              <a:t>6/17/18</a:t>
+              <a:t>7/31/18</a:t>
             </a:fld>
             <a:endParaRPr lang="en-US"/>
           </a:p>
@@ -2505,7 +2505,7 @@
           <a:p>
             <a:fld id="{F4720285-A523-AF44-9147-4ABB7CAB77FE}" type="datetimeFigureOut">
               <a:rPr lang="en-US" smtClean="0"/>
-              <a:t>6/17/18</a:t>
+              <a:t>7/31/18</a:t>
             </a:fld>
             <a:endParaRPr lang="en-US"/>
           </a:p>
@@ -2816,7 +2816,7 @@
           <a:p>
             <a:fld id="{F4720285-A523-AF44-9147-4ABB7CAB77FE}" type="datetimeFigureOut">
               <a:rPr lang="en-US" smtClean="0"/>
-              <a:t>6/17/18</a:t>
+              <a:t>7/31/18</a:t>
             </a:fld>
             <a:endParaRPr lang="en-US"/>
           </a:p>
@@ -3104,7 +3104,7 @@
           <a:p>
             <a:fld id="{F4720285-A523-AF44-9147-4ABB7CAB77FE}" type="datetimeFigureOut">
               <a:rPr lang="en-US" smtClean="0"/>
-              <a:t>6/17/18</a:t>
+              <a:t>7/31/18</a:t>
             </a:fld>
             <a:endParaRPr lang="en-US"/>
           </a:p>
@@ -3345,7 +3345,7 @@
           <a:p>
             <a:fld id="{F4720285-A523-AF44-9147-4ABB7CAB77FE}" type="datetimeFigureOut">
               <a:rPr lang="en-US" smtClean="0"/>
-              <a:t>6/17/18</a:t>
+              <a:t>7/31/18</a:t>
             </a:fld>
             <a:endParaRPr lang="en-US"/>
           </a:p>
@@ -5152,7 +5152,7 @@
                   <a:schemeClr val="bg1"/>
                 </a:solidFill>
               </a:rPr>
-              <a:t>1</a:t>
+              <a:t>0</a:t>
             </a:r>
           </a:p>
         </p:txBody>
